--- a/VELOvBenjaminTolanLivraleppt.pptx
+++ b/VELOvBenjaminTolanLivraleppt.pptx
@@ -306,7 +306,7 @@
             <a:fld id="{B61BEF0D-F0BB-DE4B-95CE-6DB70DBA9567}" type="datetimeFigureOut">
               <a:rPr lang="en-US" dirty="0"/>
               <a:pPr/>
-              <a:t>4/23/2019</a:t>
+              <a:t>4/24/2019</a:t>
             </a:fld>
             <a:endParaRPr lang="en-US" dirty="0"/>
           </a:p>
@@ -739,7 +739,7 @@
             <a:fld id="{B61BEF0D-F0BB-DE4B-95CE-6DB70DBA9567}" type="datetimeFigureOut">
               <a:rPr lang="en-US" dirty="0"/>
               <a:pPr/>
-              <a:t>4/23/2019</a:t>
+              <a:t>4/24/2019</a:t>
             </a:fld>
             <a:endParaRPr lang="en-US" dirty="0"/>
           </a:p>
@@ -986,7 +986,7 @@
             <a:fld id="{B61BEF0D-F0BB-DE4B-95CE-6DB70DBA9567}" type="datetimeFigureOut">
               <a:rPr lang="en-US" dirty="0"/>
               <a:pPr/>
-              <a:t>4/23/2019</a:t>
+              <a:t>4/24/2019</a:t>
             </a:fld>
             <a:endParaRPr lang="en-US" dirty="0"/>
           </a:p>
@@ -1291,7 +1291,7 @@
             <a:fld id="{B61BEF0D-F0BB-DE4B-95CE-6DB70DBA9567}" type="datetimeFigureOut">
               <a:rPr lang="en-US" dirty="0"/>
               <a:pPr/>
-              <a:t>4/23/2019</a:t>
+              <a:t>4/24/2019</a:t>
             </a:fld>
             <a:endParaRPr lang="en-US" dirty="0"/>
           </a:p>
@@ -1606,7 +1606,7 @@
             <a:fld id="{B61BEF0D-F0BB-DE4B-95CE-6DB70DBA9567}" type="datetimeFigureOut">
               <a:rPr lang="en-US" dirty="0"/>
               <a:pPr/>
-              <a:t>4/23/2019</a:t>
+              <a:t>4/24/2019</a:t>
             </a:fld>
             <a:endParaRPr lang="en-US" dirty="0"/>
           </a:p>
@@ -1905,7 +1905,7 @@
             <a:fld id="{B61BEF0D-F0BB-DE4B-95CE-6DB70DBA9567}" type="datetimeFigureOut">
               <a:rPr lang="en-US" dirty="0"/>
               <a:pPr/>
-              <a:t>4/23/2019</a:t>
+              <a:t>4/24/2019</a:t>
             </a:fld>
             <a:endParaRPr lang="en-US" dirty="0"/>
           </a:p>
@@ -2269,7 +2269,7 @@
             <a:fld id="{B61BEF0D-F0BB-DE4B-95CE-6DB70DBA9567}" type="datetimeFigureOut">
               <a:rPr lang="en-US" dirty="0"/>
               <a:pPr/>
-              <a:t>4/23/2019</a:t>
+              <a:t>4/24/2019</a:t>
             </a:fld>
             <a:endParaRPr lang="en-US" dirty="0"/>
           </a:p>
@@ -2440,7 +2440,7 @@
             <a:fld id="{B61BEF0D-F0BB-DE4B-95CE-6DB70DBA9567}" type="datetimeFigureOut">
               <a:rPr lang="en-US" dirty="0"/>
               <a:pPr/>
-              <a:t>4/23/2019</a:t>
+              <a:t>4/24/2019</a:t>
             </a:fld>
             <a:endParaRPr lang="en-US" dirty="0"/>
           </a:p>
@@ -2617,7 +2617,7 @@
             <a:fld id="{B61BEF0D-F0BB-DE4B-95CE-6DB70DBA9567}" type="datetimeFigureOut">
               <a:rPr lang="en-US" dirty="0"/>
               <a:pPr/>
-              <a:t>4/23/2019</a:t>
+              <a:t>4/24/2019</a:t>
             </a:fld>
             <a:endParaRPr lang="en-US" dirty="0"/>
           </a:p>
@@ -2784,7 +2784,7 @@
             <a:fld id="{B61BEF0D-F0BB-DE4B-95CE-6DB70DBA9567}" type="datetimeFigureOut">
               <a:rPr lang="en-US" dirty="0"/>
               <a:pPr/>
-              <a:t>4/23/2019</a:t>
+              <a:t>4/24/2019</a:t>
             </a:fld>
             <a:endParaRPr lang="en-US" dirty="0"/>
           </a:p>
@@ -3031,7 +3031,7 @@
             <a:fld id="{B61BEF0D-F0BB-DE4B-95CE-6DB70DBA9567}" type="datetimeFigureOut">
               <a:rPr lang="en-US" dirty="0"/>
               <a:pPr/>
-              <a:t>4/23/2019</a:t>
+              <a:t>4/24/2019</a:t>
             </a:fld>
             <a:endParaRPr lang="en-US" dirty="0"/>
           </a:p>
@@ -3264,7 +3264,7 @@
             <a:fld id="{B61BEF0D-F0BB-DE4B-95CE-6DB70DBA9567}" type="datetimeFigureOut">
               <a:rPr lang="en-US" dirty="0"/>
               <a:pPr/>
-              <a:t>4/23/2019</a:t>
+              <a:t>4/24/2019</a:t>
             </a:fld>
             <a:endParaRPr lang="en-US" dirty="0"/>
           </a:p>
@@ -3643,7 +3643,7 @@
             <a:fld id="{B61BEF0D-F0BB-DE4B-95CE-6DB70DBA9567}" type="datetimeFigureOut">
               <a:rPr lang="en-US" dirty="0"/>
               <a:pPr/>
-              <a:t>4/23/2019</a:t>
+              <a:t>4/24/2019</a:t>
             </a:fld>
             <a:endParaRPr lang="en-US" dirty="0"/>
           </a:p>
@@ -3758,7 +3758,7 @@
             <a:fld id="{B61BEF0D-F0BB-DE4B-95CE-6DB70DBA9567}" type="datetimeFigureOut">
               <a:rPr lang="en-US" dirty="0"/>
               <a:pPr/>
-              <a:t>4/23/2019</a:t>
+              <a:t>4/24/2019</a:t>
             </a:fld>
             <a:endParaRPr lang="en-US" dirty="0"/>
           </a:p>
@@ -3850,7 +3850,7 @@
             <a:fld id="{B61BEF0D-F0BB-DE4B-95CE-6DB70DBA9567}" type="datetimeFigureOut">
               <a:rPr lang="en-US" dirty="0"/>
               <a:pPr/>
-              <a:t>4/23/2019</a:t>
+              <a:t>4/24/2019</a:t>
             </a:fld>
             <a:endParaRPr lang="en-US" dirty="0"/>
           </a:p>
@@ -4102,7 +4102,7 @@
             <a:fld id="{B61BEF0D-F0BB-DE4B-95CE-6DB70DBA9567}" type="datetimeFigureOut">
               <a:rPr lang="en-US" dirty="0"/>
               <a:pPr/>
-              <a:t>4/23/2019</a:t>
+              <a:t>4/24/2019</a:t>
             </a:fld>
             <a:endParaRPr lang="en-US" dirty="0"/>
           </a:p>
@@ -4382,7 +4382,7 @@
             <a:fld id="{B61BEF0D-F0BB-DE4B-95CE-6DB70DBA9567}" type="datetimeFigureOut">
               <a:rPr lang="en-US" dirty="0"/>
               <a:pPr/>
-              <a:t>4/23/2019</a:t>
+              <a:t>4/24/2019</a:t>
             </a:fld>
             <a:endParaRPr lang="en-US" dirty="0"/>
           </a:p>
@@ -4785,7 +4785,7 @@
             <a:fld id="{B61BEF0D-F0BB-DE4B-95CE-6DB70DBA9567}" type="datetimeFigureOut">
               <a:rPr lang="en-US" dirty="0"/>
               <a:pPr/>
-              <a:t>4/23/2019</a:t>
+              <a:t>4/24/2019</a:t>
             </a:fld>
             <a:endParaRPr lang="en-US" dirty="0"/>
           </a:p>
@@ -5399,23 +5399,7 @@
           <a:p>
             <a:r>
               <a:rPr lang="fr-FR" dirty="0"/>
-              <a:t>1.  </a:t>
-            </a:r>
-            <a:r>
-              <a:rPr lang="fr-FR" dirty="0" err="1"/>
-              <a:t>Presentation</a:t>
-            </a:r>
-            <a:r>
-              <a:rPr lang="fr-FR" dirty="0"/>
-              <a:t> du projet – </a:t>
-            </a:r>
-            <a:r>
-              <a:rPr lang="fr-FR" dirty="0" err="1"/>
-              <a:t>Front-End</a:t>
-            </a:r>
-            <a:r>
-              <a:rPr lang="fr-FR" dirty="0"/>
-              <a:t> rôle</a:t>
+              <a:t>1.  Présentation du projet – Frontend rôle</a:t>
             </a:r>
           </a:p>
           <a:p>
@@ -5428,24 +5412,13 @@
             </a:pPr>
             <a:r>
               <a:rPr lang="fr-FR" dirty="0"/>
-              <a:t>Html </a:t>
-            </a:r>
-            <a:r>
-              <a:rPr lang="fr-FR" dirty="0" err="1"/>
-              <a:t>Css</a:t>
-            </a:r>
-            <a:r>
-              <a:rPr lang="fr-FR" dirty="0"/>
-              <a:t> </a:t>
-            </a:r>
-            <a:r>
-              <a:rPr lang="fr-FR" dirty="0" err="1"/>
-              <a:t>Js</a:t>
-            </a:r>
-            <a:r>
-              <a:rPr lang="fr-FR" dirty="0"/>
-              <a:t> </a:t>
-            </a:r>
+              <a:t>HTML </a:t>
+            </a:r>
+            <a:r>
+              <a:rPr lang="fr-FR"/>
+              <a:t>CSS JavaScript </a:t>
+            </a:r>
+            <a:endParaRPr lang="fr-FR" dirty="0"/>
           </a:p>
           <a:p>
             <a:pPr marL="342900" indent="-342900">
@@ -5464,15 +5437,7 @@
             </a:pPr>
             <a:r>
               <a:rPr lang="fr-FR" dirty="0"/>
-              <a:t>Travail en </a:t>
-            </a:r>
-            <a:r>
-              <a:rPr lang="fr-FR" dirty="0" err="1"/>
-              <a:t>equipe</a:t>
-            </a:r>
-            <a:r>
-              <a:rPr lang="fr-FR" dirty="0"/>
-              <a:t> avec le back end</a:t>
+              <a:t>Travail en équipe avec le back end</a:t>
             </a:r>
           </a:p>
           <a:p>
@@ -5782,12 +5747,16 @@
               <a:buChar char="-"/>
             </a:pPr>
             <a:r>
+              <a:rPr lang="fr-FR" dirty="0"/>
+              <a:t>« </a:t>
+            </a:r>
+            <a:r>
               <a:rPr lang="fr-FR" dirty="0" err="1"/>
               <a:t>Webpack</a:t>
             </a:r>
             <a:r>
               <a:rPr lang="fr-FR" dirty="0"/>
-              <a:t> es6</a:t>
+              <a:t> » </a:t>
             </a:r>
           </a:p>
           <a:p>
@@ -5796,12 +5765,8 @@
               <a:buChar char="-"/>
             </a:pPr>
             <a:r>
-              <a:rPr lang="fr-FR" dirty="0" err="1"/>
-              <a:t>Integration</a:t>
-            </a:r>
-            <a:r>
               <a:rPr lang="fr-FR" dirty="0"/>
-              <a:t> directe prod</a:t>
+              <a:t>es6</a:t>
             </a:r>
           </a:p>
           <a:p>
@@ -5810,18 +5775,19 @@
               <a:buChar char="-"/>
             </a:pPr>
             <a:r>
-              <a:rPr lang="fr-FR" dirty="0" err="1"/>
-              <a:t>Extimation</a:t>
-            </a:r>
-            <a:r>
               <a:rPr lang="fr-FR" dirty="0"/>
-              <a:t> </a:t>
-            </a:r>
-            <a:r>
-              <a:rPr lang="fr-FR" dirty="0" err="1"/>
-              <a:t>traject</a:t>
-            </a:r>
-            <a:endParaRPr lang="fr-FR" dirty="0"/>
+              <a:t>Intégration directe prod</a:t>
+            </a:r>
+          </a:p>
+          <a:p>
+            <a:pPr marL="342900" indent="-342900">
+              <a:buFontTx/>
+              <a:buChar char="-"/>
+            </a:pPr>
+            <a:r>
+              <a:rPr lang="fr-FR" dirty="0"/>
+              <a:t>Estimation trajet</a:t>
+            </a:r>
           </a:p>
           <a:p>
             <a:pPr marL="342900" indent="-342900">

--- a/VELOvBenjaminTolanLivraleppt.pptx
+++ b/VELOvBenjaminTolanLivraleppt.pptx
@@ -5412,13 +5412,8 @@
             </a:pPr>
             <a:r>
               <a:rPr lang="fr-FR" dirty="0"/>
-              <a:t>HTML </a:t>
-            </a:r>
-            <a:r>
-              <a:rPr lang="fr-FR"/>
-              <a:t>CSS JavaScript </a:t>
-            </a:r>
-            <a:endParaRPr lang="fr-FR" dirty="0"/>
+              <a:t>HTML CSS JavaScript </a:t>
+            </a:r>
           </a:p>
           <a:p>
             <a:pPr marL="342900" indent="-342900">
@@ -5427,7 +5422,7 @@
             </a:pPr>
             <a:r>
               <a:rPr lang="fr-FR" dirty="0"/>
-              <a:t>Intégrer le maquette du graphiste</a:t>
+              <a:t>Intégrer la maquette du graphiste</a:t>
             </a:r>
           </a:p>
           <a:p>
@@ -5447,7 +5442,7 @@
             </a:pPr>
             <a:r>
               <a:rPr lang="fr-FR" dirty="0"/>
-              <a:t>En charge de l’interaction avec client final</a:t>
+              <a:t>En charge de l’interaction avec le client final</a:t>
             </a:r>
           </a:p>
         </p:txBody>
@@ -5585,7 +5580,7 @@
             </a:r>
             <a:r>
               <a:rPr lang="fr-FR" dirty="0" err="1"/>
-              <a:t>localstorage</a:t>
+              <a:t>LocalStorage</a:t>
             </a:r>
             <a:r>
               <a:rPr lang="fr-FR" dirty="0"/>
@@ -5593,7 +5588,7 @@
             </a:r>
             <a:r>
               <a:rPr lang="fr-FR" dirty="0" err="1"/>
-              <a:t>timeInterval</a:t>
+              <a:t>TimeInterval</a:t>
             </a:r>
             <a:endParaRPr lang="fr-FR" dirty="0"/>
           </a:p>
@@ -5732,6 +5727,9 @@
             </a:r>
           </a:p>
           <a:p>
+            <a:endParaRPr lang="fr-FR" dirty="0"/>
+          </a:p>
+          <a:p>
             <a:pPr marL="342900" indent="-342900">
               <a:buFontTx/>
               <a:buChar char="-"/>
@@ -5756,7 +5754,7 @@
             </a:r>
             <a:r>
               <a:rPr lang="fr-FR" dirty="0"/>
-              <a:t> » </a:t>
+              <a:t> » - protection code</a:t>
             </a:r>
           </a:p>
           <a:p>
@@ -5766,7 +5764,7 @@
             </a:pPr>
             <a:r>
               <a:rPr lang="fr-FR" dirty="0"/>
-              <a:t>es6</a:t>
+              <a:t>Passage en ES6</a:t>
             </a:r>
           </a:p>
           <a:p>
@@ -5776,7 +5774,7 @@
             </a:pPr>
             <a:r>
               <a:rPr lang="fr-FR" dirty="0"/>
-              <a:t>Intégration directe prod</a:t>
+              <a:t>Intégration directe production ex Jira</a:t>
             </a:r>
           </a:p>
           <a:p>
